--- a/1 기능 정의/project05 - 기능 정의 - 현태.pptx
+++ b/1 기능 정의/project05 - 기능 정의 - 현태.pptx
@@ -260,7 +260,7 @@
       </p15:sldGuideLst>
     </p:ext>
     <p:ext uri="http://customooxmlschemas.google.com/">
-      <go:slidesCustomData xmlns:go="http://customooxmlschemas.google.com/" xmlns:p15="http://schemas.microsoft.com/office/powerpoint/2012/main" xmlns:p14="http://schemas.microsoft.com/office/powerpoint/2010/main" xmlns:com="http://schemas.openxmlformats.org/drawingml/2006/compatibility" xmlns:pvml="urn:schemas-microsoft-com:office:powerpoint" xmlns:v="urn:schemas-microsoft-com:vml" xmlns:o="urn:schemas-microsoft-com:office:office" xmlns:dgm="http://schemas.openxmlformats.org/drawingml/2006/diagram" xmlns:c="http://schemas.openxmlformats.org/drawingml/2006/chart" xmlns:mv="urn:schemas-microsoft-com:mac:vml" xmlns:mc="http://schemas.openxmlformats.org/markup-compatibility/2006" xmlns="" r:id="rId13" roundtripDataSignature="AMtx7mj/88FBcqyPPfmGLIPH4pRldKDPVw=="/>
+      <go:slidesCustomData xmlns="" xmlns:mc="http://schemas.openxmlformats.org/markup-compatibility/2006" xmlns:mv="urn:schemas-microsoft-com:mac:vml" xmlns:c="http://schemas.openxmlformats.org/drawingml/2006/chart" xmlns:dgm="http://schemas.openxmlformats.org/drawingml/2006/diagram" xmlns:o="urn:schemas-microsoft-com:office:office" xmlns:v="urn:schemas-microsoft-com:vml" xmlns:pvml="urn:schemas-microsoft-com:office:powerpoint" xmlns:com="http://schemas.openxmlformats.org/drawingml/2006/compatibility" xmlns:p14="http://schemas.microsoft.com/office/powerpoint/2010/main" xmlns:p15="http://schemas.microsoft.com/office/powerpoint/2012/main" xmlns:go="http://customooxmlschemas.google.com/" r:id="rId13" roundtripDataSignature="AMtx7mj/88FBcqyPPfmGLIPH4pRldKDPVw=="/>
     </p:ext>
   </p:extLst>
 </p:presentation>
@@ -11656,10 +11656,10 @@
               <a:buNone/>
             </a:pPr>
             <a:r>
-              <a:rPr lang="ko-KR"/>
-              <a:t>EZEN CROWD FUNDING</a:t>
-            </a:r>
-            <a:endParaRPr/>
+              <a:rPr lang="en-US" dirty="0" smtClean="0"/>
+              <a:t>e-Zone</a:t>
+            </a:r>
+            <a:endParaRPr dirty="0"/>
           </a:p>
         </p:txBody>
       </p:sp>
@@ -11820,7 +11820,7 @@
         </p:spPr>
         <p:txBody>
           <a:bodyPr spcFirstLastPara="1" wrap="square" lIns="91425" tIns="45700" rIns="91425" bIns="45700" anchor="t" anchorCtr="0">
-            <a:normAutofit/>
+            <a:normAutofit lnSpcReduction="10000"/>
           </a:bodyPr>
           <a:lstStyle/>
           <a:p>
@@ -11878,7 +11878,960 @@
               </a:rPr>
               <a:t>공통</a:t>
             </a:r>
-            <a:endParaRPr sz="1800" dirty="0"/>
+            <a:endParaRPr lang="en-US" altLang="ko-KR" sz="3000" b="1" dirty="0" smtClean="0">
+              <a:latin typeface="Impact"/>
+              <a:ea typeface="Impact"/>
+              <a:cs typeface="Impact"/>
+              <a:sym typeface="Impact"/>
+            </a:endParaRPr>
+          </a:p>
+          <a:p>
+            <a:pPr lvl="0" indent="-457200" algn="l" rtl="0">
+              <a:lnSpc>
+                <a:spcPct val="100000"/>
+              </a:lnSpc>
+              <a:spcBef>
+                <a:spcPts val="0"/>
+              </a:spcBef>
+              <a:spcAft>
+                <a:spcPts val="0"/>
+              </a:spcAft>
+              <a:buClr>
+                <a:schemeClr val="dk1"/>
+              </a:buClr>
+              <a:buSzPts val="2800"/>
+              <a:buFont typeface="+mj-lt"/>
+              <a:buAutoNum type="arabicPeriod"/>
+            </a:pPr>
+            <a:r>
+              <a:rPr lang="ko-KR" altLang="en-US" sz="2000" dirty="0" smtClean="0">
+                <a:latin typeface="Impact"/>
+                <a:sym typeface="Impact"/>
+              </a:rPr>
+              <a:t>회원가입</a:t>
+            </a:r>
+            <a:r>
+              <a:rPr lang="en-US" altLang="ko-KR" sz="2000" dirty="0">
+                <a:latin typeface="Impact"/>
+                <a:sym typeface="Impact"/>
+              </a:rPr>
+              <a:t> </a:t>
+            </a:r>
+            <a:r>
+              <a:rPr lang="en-US" altLang="ko-KR" sz="2000" dirty="0" smtClean="0">
+                <a:latin typeface="Impact"/>
+                <a:sym typeface="Impact"/>
+              </a:rPr>
+              <a:t>– </a:t>
+            </a:r>
+            <a:r>
+              <a:rPr lang="ko-KR" altLang="en-US" sz="2000" dirty="0" smtClean="0">
+                <a:latin typeface="Impact"/>
+                <a:sym typeface="Impact"/>
+              </a:rPr>
+              <a:t>아이디</a:t>
+            </a:r>
+            <a:r>
+              <a:rPr lang="en-US" altLang="ko-KR" sz="2000" dirty="0" smtClean="0">
+                <a:latin typeface="Impact"/>
+                <a:sym typeface="Impact"/>
+              </a:rPr>
+              <a:t>, </a:t>
+            </a:r>
+            <a:r>
+              <a:rPr lang="ko-KR" altLang="en-US" sz="2000" dirty="0" smtClean="0">
+                <a:latin typeface="Impact"/>
+                <a:sym typeface="Impact"/>
+              </a:rPr>
+              <a:t>비밀번호</a:t>
+            </a:r>
+            <a:r>
+              <a:rPr lang="en-US" altLang="ko-KR" sz="2000" dirty="0" smtClean="0">
+                <a:latin typeface="Impact"/>
+                <a:sym typeface="Impact"/>
+              </a:rPr>
+              <a:t>, </a:t>
+            </a:r>
+            <a:r>
+              <a:rPr lang="ko-KR" altLang="en-US" sz="2000" dirty="0" smtClean="0">
+                <a:latin typeface="Impact"/>
+                <a:sym typeface="Impact"/>
+              </a:rPr>
+              <a:t>이메일</a:t>
+            </a:r>
+            <a:r>
+              <a:rPr lang="en-US" altLang="ko-KR" sz="2000" dirty="0" smtClean="0">
+                <a:latin typeface="Impact"/>
+                <a:sym typeface="Impact"/>
+              </a:rPr>
+              <a:t>, </a:t>
+            </a:r>
+            <a:r>
+              <a:rPr lang="ko-KR" altLang="en-US" sz="2000" dirty="0" smtClean="0">
+                <a:latin typeface="Impact"/>
+                <a:sym typeface="Impact"/>
+              </a:rPr>
+              <a:t>휴대폰번호</a:t>
+            </a:r>
+            <a:r>
+              <a:rPr lang="en-US" altLang="ko-KR" sz="2000" dirty="0" smtClean="0">
+                <a:latin typeface="Impact"/>
+                <a:sym typeface="Impact"/>
+              </a:rPr>
+              <a:t>,  </a:t>
+            </a:r>
+            <a:r>
+              <a:rPr lang="ko-KR" altLang="en-US" sz="2000" dirty="0" smtClean="0">
+                <a:latin typeface="Impact"/>
+                <a:sym typeface="Impact"/>
+              </a:rPr>
+              <a:t>닉네임</a:t>
+            </a:r>
+            <a:r>
+              <a:rPr lang="en-US" altLang="ko-KR" sz="2000" dirty="0" smtClean="0">
+                <a:latin typeface="Impact"/>
+                <a:sym typeface="Impact"/>
+              </a:rPr>
+              <a:t>, </a:t>
+            </a:r>
+            <a:r>
+              <a:rPr lang="ko-KR" altLang="en-US" sz="2000" dirty="0" smtClean="0">
+                <a:latin typeface="Impact"/>
+                <a:sym typeface="Impact"/>
+              </a:rPr>
+              <a:t>관심 세미나</a:t>
+            </a:r>
+            <a:r>
+              <a:rPr lang="en-US" altLang="ko-KR" sz="2000" dirty="0" smtClean="0">
+                <a:latin typeface="Impact"/>
+                <a:sym typeface="Impact"/>
+              </a:rPr>
+              <a:t>(</a:t>
+            </a:r>
+            <a:r>
+              <a:rPr lang="ko-KR" altLang="en-US" sz="2000" dirty="0" smtClean="0">
+                <a:latin typeface="Impact"/>
+                <a:sym typeface="Impact"/>
+              </a:rPr>
+              <a:t>행사</a:t>
+            </a:r>
+            <a:r>
+              <a:rPr lang="en-US" altLang="ko-KR" sz="2000" dirty="0" smtClean="0">
+                <a:latin typeface="Impact"/>
+                <a:sym typeface="Impact"/>
+              </a:rPr>
+              <a:t>)</a:t>
+            </a:r>
+            <a:r>
+              <a:rPr lang="ko-KR" altLang="en-US" sz="2000" dirty="0" smtClean="0">
+                <a:latin typeface="Impact"/>
+                <a:sym typeface="Impact"/>
+              </a:rPr>
+              <a:t> 카테고리 등록</a:t>
+            </a:r>
+            <a:r>
+              <a:rPr lang="en-US" altLang="ko-KR" sz="2000" dirty="0" smtClean="0">
+                <a:latin typeface="Impact"/>
+                <a:sym typeface="Impact"/>
+              </a:rPr>
+              <a:t>, </a:t>
+            </a:r>
+            <a:r>
+              <a:rPr lang="ko-KR" altLang="en-US" sz="2000" dirty="0" smtClean="0">
+                <a:latin typeface="Impact"/>
+                <a:sym typeface="Impact"/>
+              </a:rPr>
+              <a:t>프로필 사진</a:t>
+            </a:r>
+            <a:endParaRPr lang="en-US" altLang="ko-KR" sz="2000" dirty="0" smtClean="0">
+              <a:latin typeface="Impact"/>
+              <a:sym typeface="Impact"/>
+            </a:endParaRPr>
+          </a:p>
+          <a:p>
+            <a:pPr marL="800100" lvl="1">
+              <a:lnSpc>
+                <a:spcPct val="100000"/>
+              </a:lnSpc>
+              <a:spcBef>
+                <a:spcPts val="0"/>
+              </a:spcBef>
+              <a:buSzPts val="2800"/>
+              <a:buFont typeface="+mj-lt"/>
+              <a:buAutoNum type="arabicPeriod"/>
+            </a:pPr>
+            <a:r>
+              <a:rPr lang="ko-KR" altLang="en-US" sz="1500" dirty="0" smtClean="0">
+                <a:latin typeface="Impact"/>
+                <a:sym typeface="Impact"/>
+              </a:rPr>
+              <a:t>등록한 관심 카테고리에 등록되는 세미나</a:t>
+            </a:r>
+            <a:r>
+              <a:rPr lang="en-US" altLang="ko-KR" sz="1500" dirty="0" smtClean="0">
+                <a:latin typeface="Impact"/>
+                <a:sym typeface="Impact"/>
+              </a:rPr>
+              <a:t>(</a:t>
+            </a:r>
+            <a:r>
+              <a:rPr lang="ko-KR" altLang="en-US" sz="1500" dirty="0" smtClean="0">
+                <a:latin typeface="Impact"/>
+                <a:sym typeface="Impact"/>
+              </a:rPr>
+              <a:t>행사</a:t>
+            </a:r>
+            <a:r>
+              <a:rPr lang="en-US" altLang="ko-KR" sz="1500" dirty="0" smtClean="0">
+                <a:latin typeface="Impact"/>
+                <a:sym typeface="Impact"/>
+              </a:rPr>
+              <a:t>)</a:t>
+            </a:r>
+            <a:r>
+              <a:rPr lang="ko-KR" altLang="en-US" sz="1500" dirty="0" smtClean="0">
+                <a:latin typeface="Impact"/>
+                <a:sym typeface="Impact"/>
+              </a:rPr>
+              <a:t>는 알림</a:t>
+            </a:r>
+            <a:r>
+              <a:rPr lang="en-US" altLang="ko-KR" sz="1500" dirty="0" smtClean="0">
+                <a:latin typeface="Impact"/>
+                <a:sym typeface="Impact"/>
+              </a:rPr>
+              <a:t>(</a:t>
+            </a:r>
+            <a:r>
+              <a:rPr lang="ko-KR" altLang="en-US" sz="1500" dirty="0" smtClean="0">
+                <a:latin typeface="Impact"/>
+                <a:sym typeface="Impact"/>
+              </a:rPr>
+              <a:t>웹 페이지 내에서</a:t>
+            </a:r>
+            <a:r>
+              <a:rPr lang="en-US" altLang="ko-KR" sz="1500" dirty="0" smtClean="0">
+                <a:latin typeface="Impact"/>
+                <a:sym typeface="Impact"/>
+              </a:rPr>
+              <a:t>? </a:t>
+            </a:r>
+            <a:r>
+              <a:rPr lang="ko-KR" altLang="en-US" sz="1500" dirty="0" smtClean="0">
+                <a:latin typeface="Impact"/>
+                <a:sym typeface="Impact"/>
+              </a:rPr>
+              <a:t>휴대폰</a:t>
+            </a:r>
+            <a:r>
+              <a:rPr lang="en-US" altLang="ko-KR" sz="1500" dirty="0" smtClean="0">
+                <a:latin typeface="Impact"/>
+                <a:sym typeface="Impact"/>
+              </a:rPr>
+              <a:t>? </a:t>
+            </a:r>
+            <a:r>
+              <a:rPr lang="ko-KR" altLang="en-US" sz="1500" dirty="0" err="1" smtClean="0">
+                <a:latin typeface="Impact"/>
+                <a:sym typeface="Impact"/>
+              </a:rPr>
+              <a:t>카카오톡</a:t>
+            </a:r>
+            <a:r>
+              <a:rPr lang="en-US" altLang="ko-KR" sz="1500" dirty="0" smtClean="0">
+                <a:latin typeface="Impact"/>
+                <a:sym typeface="Impact"/>
+              </a:rPr>
+              <a:t>?)</a:t>
+            </a:r>
+            <a:r>
+              <a:rPr lang="ko-KR" altLang="en-US" sz="1500" dirty="0" smtClean="0">
+                <a:latin typeface="Impact"/>
+                <a:sym typeface="Impact"/>
+              </a:rPr>
+              <a:t>으로 알려줌</a:t>
+            </a:r>
+            <a:endParaRPr lang="en-US" altLang="ko-KR" sz="1500" dirty="0" smtClean="0">
+              <a:latin typeface="Impact"/>
+              <a:sym typeface="Impact"/>
+            </a:endParaRPr>
+          </a:p>
+          <a:p>
+            <a:pPr lvl="0" indent="-457200" algn="l" rtl="0">
+              <a:lnSpc>
+                <a:spcPct val="100000"/>
+              </a:lnSpc>
+              <a:spcBef>
+                <a:spcPts val="0"/>
+              </a:spcBef>
+              <a:spcAft>
+                <a:spcPts val="0"/>
+              </a:spcAft>
+              <a:buClr>
+                <a:schemeClr val="dk1"/>
+              </a:buClr>
+              <a:buSzPts val="2800"/>
+              <a:buFont typeface="+mj-lt"/>
+              <a:buAutoNum type="arabicPeriod"/>
+            </a:pPr>
+            <a:r>
+              <a:rPr lang="ko-KR" altLang="en-US" sz="2000" dirty="0" smtClean="0">
+                <a:latin typeface="Impact"/>
+                <a:sym typeface="Impact"/>
+              </a:rPr>
+              <a:t>로그인 </a:t>
+            </a:r>
+            <a:r>
+              <a:rPr lang="en-US" altLang="ko-KR" sz="2000" dirty="0" smtClean="0">
+                <a:latin typeface="Impact"/>
+                <a:sym typeface="Impact"/>
+              </a:rPr>
+              <a:t>– </a:t>
+            </a:r>
+            <a:r>
+              <a:rPr lang="ko-KR" altLang="en-US" sz="2000" dirty="0" smtClean="0">
+                <a:latin typeface="Impact"/>
+                <a:sym typeface="Impact"/>
+              </a:rPr>
+              <a:t>아이디</a:t>
+            </a:r>
+            <a:r>
+              <a:rPr lang="en-US" altLang="ko-KR" sz="2000" dirty="0" smtClean="0">
+                <a:latin typeface="Impact"/>
+                <a:sym typeface="Impact"/>
+              </a:rPr>
+              <a:t>, </a:t>
+            </a:r>
+            <a:r>
+              <a:rPr lang="ko-KR" altLang="en-US" sz="2000" dirty="0" smtClean="0">
+                <a:latin typeface="Impact"/>
+                <a:sym typeface="Impact"/>
+              </a:rPr>
+              <a:t>비밀번호를 이용하여 로그인</a:t>
+            </a:r>
+            <a:endParaRPr lang="en-US" altLang="ko-KR" sz="2000" dirty="0" smtClean="0">
+              <a:latin typeface="Impact"/>
+              <a:sym typeface="Impact"/>
+            </a:endParaRPr>
+          </a:p>
+          <a:p>
+            <a:pPr lvl="0" indent="-457200" algn="l" rtl="0">
+              <a:lnSpc>
+                <a:spcPct val="100000"/>
+              </a:lnSpc>
+              <a:spcBef>
+                <a:spcPts val="0"/>
+              </a:spcBef>
+              <a:spcAft>
+                <a:spcPts val="0"/>
+              </a:spcAft>
+              <a:buClr>
+                <a:schemeClr val="dk1"/>
+              </a:buClr>
+              <a:buSzPts val="2800"/>
+              <a:buFont typeface="+mj-lt"/>
+              <a:buAutoNum type="arabicPeriod"/>
+            </a:pPr>
+            <a:r>
+              <a:rPr lang="ko-KR" altLang="en-US" sz="2000" dirty="0" smtClean="0">
+                <a:latin typeface="Impact"/>
+                <a:sym typeface="Impact"/>
+              </a:rPr>
+              <a:t>마이 페이지 </a:t>
+            </a:r>
+            <a:r>
+              <a:rPr lang="en-US" altLang="ko-KR" sz="2000" dirty="0" smtClean="0">
+                <a:latin typeface="Impact"/>
+                <a:sym typeface="Impact"/>
+              </a:rPr>
+              <a:t>– </a:t>
+            </a:r>
+            <a:r>
+              <a:rPr lang="ko-KR" altLang="en-US" sz="2000" dirty="0" smtClean="0">
+                <a:latin typeface="Impact"/>
+                <a:sym typeface="Impact"/>
+              </a:rPr>
+              <a:t>등록 회원 정보 수정</a:t>
+            </a:r>
+            <a:r>
+              <a:rPr lang="en-US" altLang="ko-KR" sz="2000" dirty="0" smtClean="0">
+                <a:latin typeface="Impact"/>
+                <a:sym typeface="Impact"/>
+              </a:rPr>
+              <a:t>, </a:t>
+            </a:r>
+            <a:r>
+              <a:rPr lang="ko-KR" altLang="en-US" sz="2000" dirty="0" smtClean="0">
+                <a:latin typeface="Impact"/>
+                <a:sym typeface="Impact"/>
+              </a:rPr>
+              <a:t>확인 및 탈퇴</a:t>
+            </a:r>
+            <a:r>
+              <a:rPr lang="en-US" altLang="ko-KR" sz="2000" dirty="0" smtClean="0">
+                <a:latin typeface="Impact"/>
+                <a:sym typeface="Impact"/>
+              </a:rPr>
+              <a:t>, </a:t>
+            </a:r>
+            <a:r>
+              <a:rPr lang="ko-KR" altLang="en-US" sz="2000" dirty="0" smtClean="0">
+                <a:latin typeface="Impact"/>
+                <a:sym typeface="Impact"/>
+              </a:rPr>
+              <a:t>내가 주최한 세미나</a:t>
+            </a:r>
+            <a:r>
+              <a:rPr lang="en-US" altLang="ko-KR" sz="2000" dirty="0" smtClean="0">
+                <a:latin typeface="Impact"/>
+                <a:sym typeface="Impact"/>
+              </a:rPr>
+              <a:t>(</a:t>
+            </a:r>
+            <a:r>
+              <a:rPr lang="ko-KR" altLang="en-US" sz="2000" dirty="0" smtClean="0">
+                <a:latin typeface="Impact"/>
+                <a:sym typeface="Impact"/>
+              </a:rPr>
+              <a:t>행사</a:t>
+            </a:r>
+            <a:r>
+              <a:rPr lang="en-US" altLang="ko-KR" sz="2000" dirty="0" smtClean="0">
+                <a:latin typeface="Impact"/>
+                <a:sym typeface="Impact"/>
+              </a:rPr>
+              <a:t>) </a:t>
+            </a:r>
+            <a:r>
+              <a:rPr lang="ko-KR" altLang="en-US" sz="2000" dirty="0" smtClean="0">
+                <a:latin typeface="Impact"/>
+                <a:sym typeface="Impact"/>
+              </a:rPr>
+              <a:t>조회</a:t>
+            </a:r>
+            <a:r>
+              <a:rPr lang="en-US" altLang="ko-KR" sz="2000" dirty="0" smtClean="0">
+                <a:latin typeface="Impact"/>
+                <a:sym typeface="Impact"/>
+              </a:rPr>
+              <a:t>, </a:t>
+            </a:r>
+            <a:r>
+              <a:rPr lang="ko-KR" altLang="en-US" sz="2000" dirty="0" smtClean="0">
+                <a:latin typeface="Impact"/>
+                <a:sym typeface="Impact"/>
+              </a:rPr>
+              <a:t>내가 참석한 세미나</a:t>
+            </a:r>
+            <a:r>
+              <a:rPr lang="en-US" altLang="ko-KR" sz="2000" dirty="0" smtClean="0">
+                <a:latin typeface="Impact"/>
+                <a:sym typeface="Impact"/>
+              </a:rPr>
+              <a:t>(</a:t>
+            </a:r>
+            <a:r>
+              <a:rPr lang="ko-KR" altLang="en-US" sz="2000" dirty="0" smtClean="0">
+                <a:latin typeface="Impact"/>
+                <a:sym typeface="Impact"/>
+              </a:rPr>
+              <a:t>행사</a:t>
+            </a:r>
+            <a:r>
+              <a:rPr lang="en-US" altLang="ko-KR" sz="2000" dirty="0" smtClean="0">
+                <a:latin typeface="Impact"/>
+                <a:sym typeface="Impact"/>
+              </a:rPr>
+              <a:t>) </a:t>
+            </a:r>
+            <a:r>
+              <a:rPr lang="ko-KR" altLang="en-US" sz="2000" dirty="0" smtClean="0">
+                <a:latin typeface="Impact"/>
+                <a:sym typeface="Impact"/>
+              </a:rPr>
+              <a:t>조회</a:t>
+            </a:r>
+            <a:endParaRPr lang="en-US" altLang="ko-KR" sz="2000" dirty="0" smtClean="0">
+              <a:latin typeface="Impact"/>
+              <a:sym typeface="Impact"/>
+            </a:endParaRPr>
+          </a:p>
+          <a:p>
+            <a:pPr lvl="0" indent="-457200" algn="l" rtl="0">
+              <a:lnSpc>
+                <a:spcPct val="100000"/>
+              </a:lnSpc>
+              <a:spcBef>
+                <a:spcPts val="0"/>
+              </a:spcBef>
+              <a:spcAft>
+                <a:spcPts val="0"/>
+              </a:spcAft>
+              <a:buClr>
+                <a:schemeClr val="dk1"/>
+              </a:buClr>
+              <a:buSzPts val="2800"/>
+              <a:buFont typeface="+mj-lt"/>
+              <a:buAutoNum type="arabicPeriod"/>
+            </a:pPr>
+            <a:r>
+              <a:rPr lang="ko-KR" altLang="en-US" sz="2000" dirty="0" smtClean="0"/>
+              <a:t>세미나</a:t>
+            </a:r>
+            <a:r>
+              <a:rPr lang="en-US" altLang="ko-KR" sz="2000" dirty="0" smtClean="0"/>
+              <a:t>(</a:t>
+            </a:r>
+            <a:r>
+              <a:rPr lang="ko-KR" altLang="en-US" sz="2000" dirty="0" smtClean="0"/>
+              <a:t>행사</a:t>
+            </a:r>
+            <a:r>
+              <a:rPr lang="en-US" altLang="ko-KR" sz="2000" dirty="0" smtClean="0"/>
+              <a:t>)</a:t>
+            </a:r>
+            <a:r>
+              <a:rPr lang="ko-KR" altLang="en-US" sz="2000" dirty="0" smtClean="0"/>
+              <a:t> 등록 및 장소 대관</a:t>
+            </a:r>
+            <a:endParaRPr lang="en-US" altLang="ko-KR" sz="2000" dirty="0" smtClean="0"/>
+          </a:p>
+          <a:p>
+            <a:pPr marL="800100" lvl="1">
+              <a:lnSpc>
+                <a:spcPct val="100000"/>
+              </a:lnSpc>
+              <a:spcBef>
+                <a:spcPts val="0"/>
+              </a:spcBef>
+              <a:buSzPts val="2800"/>
+              <a:buFont typeface="+mj-lt"/>
+              <a:buAutoNum type="arabicPeriod"/>
+            </a:pPr>
+            <a:r>
+              <a:rPr lang="ko-KR" altLang="en-US" sz="1600" dirty="0" smtClean="0"/>
+              <a:t>세미나</a:t>
+            </a:r>
+            <a:r>
+              <a:rPr lang="en-US" altLang="ko-KR" sz="1600" dirty="0" smtClean="0"/>
+              <a:t>(</a:t>
+            </a:r>
+            <a:r>
+              <a:rPr lang="ko-KR" altLang="en-US" sz="1600" dirty="0" smtClean="0"/>
+              <a:t>행사</a:t>
+            </a:r>
+            <a:r>
+              <a:rPr lang="en-US" altLang="ko-KR" sz="1600" dirty="0"/>
+              <a:t>)</a:t>
+            </a:r>
+            <a:r>
+              <a:rPr lang="ko-KR" altLang="en-US" sz="1600" dirty="0" smtClean="0"/>
+              <a:t> 등록 </a:t>
+            </a:r>
+            <a:r>
+              <a:rPr lang="en-US" altLang="ko-KR" sz="1600" dirty="0" smtClean="0"/>
+              <a:t>– </a:t>
+            </a:r>
+            <a:r>
+              <a:rPr lang="ko-KR" altLang="en-US" sz="1600" dirty="0" smtClean="0"/>
+              <a:t>세미나</a:t>
+            </a:r>
+            <a:r>
+              <a:rPr lang="en-US" altLang="ko-KR" sz="1600" dirty="0" smtClean="0"/>
+              <a:t>(</a:t>
+            </a:r>
+            <a:r>
+              <a:rPr lang="ko-KR" altLang="en-US" sz="1600" dirty="0" smtClean="0"/>
+              <a:t>행사</a:t>
+            </a:r>
+            <a:r>
+              <a:rPr lang="en-US" altLang="ko-KR" sz="1600" dirty="0" smtClean="0"/>
+              <a:t>)</a:t>
+            </a:r>
+            <a:r>
+              <a:rPr lang="ko-KR" altLang="en-US" sz="1600" dirty="0" smtClean="0"/>
+              <a:t> 제목</a:t>
+            </a:r>
+            <a:r>
+              <a:rPr lang="en-US" altLang="ko-KR" sz="1600" dirty="0" smtClean="0"/>
+              <a:t>, </a:t>
+            </a:r>
+            <a:r>
+              <a:rPr lang="ko-KR" altLang="en-US" sz="1600" dirty="0" smtClean="0"/>
+              <a:t>세미나</a:t>
+            </a:r>
+            <a:r>
+              <a:rPr lang="en-US" altLang="ko-KR" sz="1600" dirty="0" smtClean="0"/>
+              <a:t>(</a:t>
+            </a:r>
+            <a:r>
+              <a:rPr lang="ko-KR" altLang="en-US" sz="1600" dirty="0" smtClean="0"/>
+              <a:t>행사</a:t>
+            </a:r>
+            <a:r>
+              <a:rPr lang="en-US" altLang="ko-KR" sz="1600" dirty="0" smtClean="0"/>
+              <a:t>)</a:t>
+            </a:r>
+            <a:r>
+              <a:rPr lang="ko-KR" altLang="en-US" sz="1600" dirty="0" smtClean="0"/>
+              <a:t> 카테고리</a:t>
+            </a:r>
+            <a:r>
+              <a:rPr lang="en-US" altLang="ko-KR" sz="1600" dirty="0" smtClean="0"/>
+              <a:t>, </a:t>
+            </a:r>
+            <a:r>
+              <a:rPr lang="ko-KR" altLang="en-US" sz="1600" dirty="0" smtClean="0"/>
+              <a:t>세미나</a:t>
+            </a:r>
+            <a:r>
+              <a:rPr lang="en-US" altLang="ko-KR" sz="1600" dirty="0" smtClean="0"/>
+              <a:t>(</a:t>
+            </a:r>
+            <a:r>
+              <a:rPr lang="ko-KR" altLang="en-US" sz="1600" dirty="0" smtClean="0"/>
+              <a:t>행사</a:t>
+            </a:r>
+            <a:r>
+              <a:rPr lang="en-US" altLang="ko-KR" sz="1600" dirty="0" smtClean="0"/>
+              <a:t>)</a:t>
+            </a:r>
+            <a:r>
+              <a:rPr lang="ko-KR" altLang="en-US" sz="1600" dirty="0" smtClean="0"/>
+              <a:t> 내용</a:t>
+            </a:r>
+            <a:r>
+              <a:rPr lang="en-US" altLang="ko-KR" sz="1600" dirty="0" smtClean="0"/>
+              <a:t>, </a:t>
+            </a:r>
+            <a:r>
+              <a:rPr lang="ko-KR" altLang="en-US" sz="1600" dirty="0" smtClean="0"/>
+              <a:t>최대 인원수</a:t>
+            </a:r>
+            <a:r>
+              <a:rPr lang="en-US" altLang="ko-KR" sz="1600" dirty="0" smtClean="0"/>
+              <a:t>, </a:t>
+            </a:r>
+            <a:r>
+              <a:rPr lang="ko-KR" altLang="en-US" sz="1600" dirty="0" smtClean="0"/>
+              <a:t>참석 비용</a:t>
+            </a:r>
+            <a:r>
+              <a:rPr lang="en-US" altLang="ko-KR" sz="1600" dirty="0" smtClean="0"/>
+              <a:t>, </a:t>
+            </a:r>
+            <a:r>
+              <a:rPr lang="ko-KR" altLang="en-US" sz="1600" dirty="0" smtClean="0"/>
+              <a:t>신청 후 </a:t>
+            </a:r>
+            <a:r>
+              <a:rPr lang="ko-KR" altLang="en-US" sz="1600" dirty="0" err="1" smtClean="0"/>
+              <a:t>미참석</a:t>
+            </a:r>
+            <a:r>
+              <a:rPr lang="ko-KR" altLang="en-US" sz="1600" dirty="0" smtClean="0"/>
+              <a:t> 및 기타 제한 사항</a:t>
+            </a:r>
+            <a:r>
+              <a:rPr lang="en-US" altLang="ko-KR" sz="1600" dirty="0" smtClean="0"/>
+              <a:t>(</a:t>
+            </a:r>
+            <a:r>
+              <a:rPr lang="ko-KR" altLang="en-US" sz="1600" dirty="0" smtClean="0"/>
+              <a:t>참석 조건</a:t>
+            </a:r>
+            <a:r>
+              <a:rPr lang="en-US" altLang="ko-KR" sz="1600" dirty="0" smtClean="0"/>
+              <a:t>(</a:t>
+            </a:r>
+            <a:r>
+              <a:rPr lang="ko-KR" altLang="en-US" sz="1600" dirty="0" smtClean="0"/>
+              <a:t>나이</a:t>
+            </a:r>
+            <a:r>
+              <a:rPr lang="en-US" altLang="ko-KR" sz="1600" dirty="0" smtClean="0"/>
+              <a:t>, </a:t>
+            </a:r>
+            <a:r>
+              <a:rPr lang="ko-KR" altLang="en-US" sz="1600" dirty="0" smtClean="0"/>
+              <a:t>전공 등</a:t>
+            </a:r>
+            <a:r>
+              <a:rPr lang="en-US" altLang="ko-KR" sz="1600" dirty="0" smtClean="0"/>
+              <a:t>?))</a:t>
+            </a:r>
+            <a:endParaRPr lang="en-US" altLang="ko-KR" sz="1600" dirty="0" smtClean="0"/>
+          </a:p>
+          <a:p>
+            <a:pPr marL="800100" lvl="1">
+              <a:lnSpc>
+                <a:spcPct val="100000"/>
+              </a:lnSpc>
+              <a:spcBef>
+                <a:spcPts val="0"/>
+              </a:spcBef>
+              <a:buSzPts val="2800"/>
+              <a:buFont typeface="+mj-lt"/>
+              <a:buAutoNum type="arabicPeriod"/>
+            </a:pPr>
+            <a:r>
+              <a:rPr lang="ko-KR" altLang="en-US" sz="1600" dirty="0" smtClean="0"/>
+              <a:t>대관 장소 신청 </a:t>
+            </a:r>
+            <a:r>
+              <a:rPr lang="en-US" altLang="ko-KR" sz="1600" dirty="0" smtClean="0"/>
+              <a:t>– </a:t>
+            </a:r>
+            <a:r>
+              <a:rPr lang="ko-KR" altLang="en-US" sz="1600" dirty="0" smtClean="0"/>
+              <a:t>원하는 대관 장소</a:t>
+            </a:r>
+            <a:r>
+              <a:rPr lang="en-US" altLang="ko-KR" sz="1600" dirty="0" smtClean="0"/>
+              <a:t>, </a:t>
+            </a:r>
+            <a:r>
+              <a:rPr lang="ko-KR" altLang="en-US" sz="1600" dirty="0" smtClean="0"/>
+              <a:t>날짜</a:t>
+            </a:r>
+            <a:r>
+              <a:rPr lang="en-US" altLang="ko-KR" sz="1600" dirty="0" smtClean="0"/>
+              <a:t>, </a:t>
+            </a:r>
+            <a:r>
+              <a:rPr lang="ko-KR" altLang="en-US" sz="1600" dirty="0" smtClean="0"/>
+              <a:t>시간</a:t>
+            </a:r>
+            <a:r>
+              <a:rPr lang="en-US" altLang="ko-KR" sz="1600" dirty="0" smtClean="0"/>
+              <a:t>, </a:t>
+            </a:r>
+            <a:r>
+              <a:rPr lang="ko-KR" altLang="en-US" sz="1600" dirty="0" smtClean="0"/>
+              <a:t>인원수</a:t>
+            </a:r>
+            <a:endParaRPr lang="en-US" altLang="ko-KR" sz="1600" dirty="0"/>
+          </a:p>
+          <a:p>
+            <a:pPr marL="342900">
+              <a:lnSpc>
+                <a:spcPct val="100000"/>
+              </a:lnSpc>
+              <a:spcBef>
+                <a:spcPts val="0"/>
+              </a:spcBef>
+              <a:buSzPts val="2800"/>
+              <a:buFont typeface="+mj-lt"/>
+              <a:buAutoNum type="arabicPeriod"/>
+            </a:pPr>
+            <a:r>
+              <a:rPr lang="ko-KR" altLang="en-US" sz="2400" dirty="0" err="1" smtClean="0"/>
+              <a:t>신고기능</a:t>
+            </a:r>
+            <a:r>
+              <a:rPr lang="en-US" altLang="ko-KR" sz="2400" dirty="0" smtClean="0"/>
+              <a:t>?????????????</a:t>
+            </a:r>
+          </a:p>
+          <a:p>
+            <a:pPr marL="342900">
+              <a:lnSpc>
+                <a:spcPct val="100000"/>
+              </a:lnSpc>
+              <a:spcBef>
+                <a:spcPts val="0"/>
+              </a:spcBef>
+              <a:buSzPts val="2800"/>
+              <a:buFont typeface="+mj-lt"/>
+              <a:buAutoNum type="arabicPeriod"/>
+            </a:pPr>
+            <a:r>
+              <a:rPr lang="ko-KR" altLang="en-US" sz="2400" dirty="0"/>
+              <a:t>행사 관련 문의 및 </a:t>
+            </a:r>
+            <a:r>
+              <a:rPr lang="ko-KR" altLang="en-US" sz="2400" dirty="0" smtClean="0"/>
+              <a:t>답변</a:t>
+            </a:r>
+            <a:endParaRPr lang="en-US" altLang="ko-KR" sz="2400" dirty="0" smtClean="0"/>
+          </a:p>
+          <a:p>
+            <a:pPr indent="-457200">
+              <a:lnSpc>
+                <a:spcPct val="100000"/>
+              </a:lnSpc>
+              <a:spcBef>
+                <a:spcPts val="0"/>
+              </a:spcBef>
+              <a:buSzPts val="2800"/>
+              <a:buFont typeface="+mj-lt"/>
+              <a:buAutoNum type="arabicPeriod"/>
+            </a:pPr>
+            <a:r>
+              <a:rPr lang="ko-KR" altLang="en-US" sz="2000" dirty="0" smtClean="0"/>
+              <a:t>세미나</a:t>
+            </a:r>
+            <a:r>
+              <a:rPr lang="en-US" altLang="ko-KR" sz="2000" dirty="0" smtClean="0"/>
+              <a:t>(</a:t>
+            </a:r>
+            <a:r>
+              <a:rPr lang="ko-KR" altLang="en-US" sz="2000" dirty="0" smtClean="0"/>
+              <a:t>행사</a:t>
+            </a:r>
+            <a:r>
+              <a:rPr lang="en-US" altLang="ko-KR" sz="2000" dirty="0" smtClean="0"/>
+              <a:t>) </a:t>
+            </a:r>
+            <a:r>
+              <a:rPr lang="ko-KR" altLang="en-US" sz="2000" dirty="0" smtClean="0"/>
+              <a:t>정보 조회 및</a:t>
+            </a:r>
+            <a:r>
+              <a:rPr lang="en-US" altLang="ko-KR" sz="2000" dirty="0" smtClean="0"/>
+              <a:t> </a:t>
+            </a:r>
+            <a:r>
+              <a:rPr lang="ko-KR" altLang="en-US" sz="2000" dirty="0" smtClean="0"/>
+              <a:t>참석 신청</a:t>
+            </a:r>
+            <a:endParaRPr lang="en-US" altLang="ko-KR" sz="2000" dirty="0" smtClean="0"/>
+          </a:p>
+          <a:p>
+            <a:pPr lvl="1" indent="-457200">
+              <a:lnSpc>
+                <a:spcPct val="100000"/>
+              </a:lnSpc>
+              <a:spcBef>
+                <a:spcPts val="0"/>
+              </a:spcBef>
+              <a:buSzPts val="2800"/>
+              <a:buFont typeface="+mj-lt"/>
+              <a:buAutoNum type="arabicPeriod"/>
+            </a:pPr>
+            <a:r>
+              <a:rPr lang="ko-KR" altLang="en-US" sz="1600" dirty="0" smtClean="0"/>
+              <a:t>참석 날짜</a:t>
+            </a:r>
+            <a:r>
+              <a:rPr lang="en-US" altLang="ko-KR" sz="1600" dirty="0" smtClean="0"/>
+              <a:t>, </a:t>
+            </a:r>
+            <a:r>
+              <a:rPr lang="ko-KR" altLang="en-US" sz="1600" dirty="0" smtClean="0"/>
+              <a:t>인원수</a:t>
+            </a:r>
+            <a:r>
+              <a:rPr lang="en-US" altLang="ko-KR" sz="1600" dirty="0" smtClean="0"/>
+              <a:t>, </a:t>
+            </a:r>
+            <a:r>
+              <a:rPr lang="ko-KR" altLang="en-US" sz="1600" dirty="0" smtClean="0"/>
+              <a:t>좌석 예약</a:t>
+            </a:r>
+            <a:r>
+              <a:rPr lang="en-US" altLang="ko-KR" sz="1600" dirty="0" smtClean="0"/>
+              <a:t>, </a:t>
+            </a:r>
+            <a:r>
+              <a:rPr lang="ko-KR" altLang="en-US" sz="1600" dirty="0" smtClean="0"/>
+              <a:t>결제</a:t>
+            </a:r>
+            <a:endParaRPr lang="en-US" altLang="ko-KR" sz="1600" dirty="0" smtClean="0"/>
+          </a:p>
+          <a:p>
+            <a:pPr indent="-457200">
+              <a:lnSpc>
+                <a:spcPct val="100000"/>
+              </a:lnSpc>
+              <a:spcBef>
+                <a:spcPts val="0"/>
+              </a:spcBef>
+              <a:buSzPts val="2800"/>
+              <a:buFont typeface="+mj-lt"/>
+              <a:buAutoNum type="arabicPeriod"/>
+            </a:pPr>
+            <a:r>
+              <a:rPr lang="ko-KR" altLang="en-US" sz="2000" dirty="0" smtClean="0"/>
+              <a:t>후기 남기기 </a:t>
+            </a:r>
+            <a:r>
+              <a:rPr lang="en-US" altLang="ko-KR" sz="2000" dirty="0" smtClean="0"/>
+              <a:t>– </a:t>
+            </a:r>
+            <a:r>
+              <a:rPr lang="ko-KR" altLang="en-US" sz="2000" dirty="0" smtClean="0"/>
+              <a:t>참석 행사에 관한 후기</a:t>
+            </a:r>
+            <a:r>
+              <a:rPr lang="en-US" altLang="ko-KR" sz="2000" dirty="0" smtClean="0"/>
+              <a:t>, </a:t>
+            </a:r>
+            <a:r>
+              <a:rPr lang="ko-KR" altLang="en-US" sz="2000" dirty="0" smtClean="0"/>
+              <a:t>장소에 관한 후기</a:t>
+            </a:r>
+            <a:r>
+              <a:rPr lang="en-US" altLang="ko-KR" sz="2000" dirty="0"/>
+              <a:t> </a:t>
+            </a:r>
+            <a:r>
+              <a:rPr lang="en-US" altLang="ko-KR" sz="2000" dirty="0" smtClean="0"/>
+              <a:t>(</a:t>
+            </a:r>
+            <a:r>
+              <a:rPr lang="ko-KR" altLang="en-US" sz="2000" dirty="0" smtClean="0"/>
+              <a:t>따로 관리</a:t>
+            </a:r>
+            <a:r>
+              <a:rPr lang="en-US" altLang="ko-KR" sz="2000" dirty="0" smtClean="0"/>
+              <a:t>? </a:t>
+            </a:r>
+            <a:r>
+              <a:rPr lang="ko-KR" altLang="en-US" sz="2000" dirty="0" smtClean="0"/>
+              <a:t>아니면 통합</a:t>
+            </a:r>
+            <a:r>
+              <a:rPr lang="en-US" altLang="ko-KR" sz="2000" dirty="0" smtClean="0"/>
+              <a:t>?)</a:t>
+            </a:r>
+          </a:p>
+          <a:p>
+            <a:pPr indent="-457200">
+              <a:lnSpc>
+                <a:spcPct val="100000"/>
+              </a:lnSpc>
+              <a:spcBef>
+                <a:spcPts val="0"/>
+              </a:spcBef>
+              <a:buSzPts val="2800"/>
+              <a:buFont typeface="+mj-lt"/>
+              <a:buAutoNum type="arabicPeriod"/>
+            </a:pPr>
+            <a:r>
+              <a:rPr lang="ko-KR" altLang="en-US" sz="2000" dirty="0" smtClean="0"/>
+              <a:t>공지사항</a:t>
+            </a:r>
+            <a:r>
+              <a:rPr lang="en-US" altLang="ko-KR" sz="2000" dirty="0" smtClean="0"/>
+              <a:t>, </a:t>
+            </a:r>
+            <a:r>
+              <a:rPr lang="ko-KR" altLang="en-US" sz="2000" dirty="0" smtClean="0"/>
+              <a:t>이용 가이드 및 </a:t>
+            </a:r>
+            <a:r>
+              <a:rPr lang="en-US" altLang="ko-KR" sz="2000" dirty="0" smtClean="0"/>
+              <a:t>FAQ, </a:t>
+            </a:r>
+            <a:r>
+              <a:rPr lang="ko-KR" altLang="en-US" sz="2000" dirty="0" smtClean="0"/>
+              <a:t>서비스 이용 </a:t>
+            </a:r>
+            <a:r>
+              <a:rPr lang="en-US" altLang="ko-KR" sz="2000" dirty="0" smtClean="0"/>
+              <a:t>QNA</a:t>
+            </a:r>
           </a:p>
         </p:txBody>
       </p:sp>
@@ -12003,7 +12956,636 @@
               <a:buSzPts val="1800"/>
               <a:buAutoNum type="arabicPeriod"/>
             </a:pPr>
-            <a:endParaRPr sz="1800" dirty="0"/>
+            <a:r>
+              <a:rPr lang="ko-KR" altLang="en-US" sz="1800" dirty="0" smtClean="0"/>
+              <a:t>관리자 계정 관리</a:t>
+            </a:r>
+            <a:endParaRPr lang="en-US" altLang="ko-KR" sz="1800" dirty="0" smtClean="0"/>
+          </a:p>
+          <a:p>
+            <a:pPr lvl="1">
+              <a:spcBef>
+                <a:spcPts val="0"/>
+              </a:spcBef>
+              <a:buAutoNum type="arabicPeriod"/>
+            </a:pPr>
+            <a:r>
+              <a:rPr lang="ko-KR" altLang="en-US" sz="1400" dirty="0" smtClean="0"/>
+              <a:t>아이디</a:t>
+            </a:r>
+            <a:r>
+              <a:rPr lang="en-US" altLang="ko-KR" sz="1400" dirty="0" smtClean="0"/>
+              <a:t>, </a:t>
+            </a:r>
+            <a:r>
+              <a:rPr lang="ko-KR" altLang="en-US" sz="1400" dirty="0" smtClean="0"/>
+              <a:t>비밀번호</a:t>
+            </a:r>
+            <a:r>
+              <a:rPr lang="en-US" altLang="ko-KR" sz="1400" dirty="0" smtClean="0"/>
+              <a:t>, </a:t>
+            </a:r>
+            <a:r>
+              <a:rPr lang="ko-KR" altLang="en-US" sz="1400" dirty="0" smtClean="0"/>
+              <a:t>이름</a:t>
+            </a:r>
+            <a:r>
+              <a:rPr lang="en-US" altLang="ko-KR" sz="1400" dirty="0" smtClean="0"/>
+              <a:t>, </a:t>
+            </a:r>
+            <a:r>
+              <a:rPr lang="ko-KR" altLang="en-US" sz="1400" dirty="0" err="1" smtClean="0"/>
+              <a:t>사원번호</a:t>
+            </a:r>
+            <a:r>
+              <a:rPr lang="ko-KR" altLang="en-US" sz="1400" dirty="0" smtClean="0"/>
+              <a:t> 등록</a:t>
+            </a:r>
+            <a:r>
+              <a:rPr lang="en-US" altLang="ko-KR" sz="1400" dirty="0" smtClean="0"/>
+              <a:t>, </a:t>
+            </a:r>
+            <a:r>
+              <a:rPr lang="ko-KR" altLang="en-US" sz="1400" dirty="0" smtClean="0"/>
+              <a:t>수정</a:t>
+            </a:r>
+            <a:r>
+              <a:rPr lang="en-US" altLang="ko-KR" sz="1400" dirty="0"/>
+              <a:t> </a:t>
+            </a:r>
+            <a:r>
+              <a:rPr lang="ko-KR" altLang="en-US" sz="1400" dirty="0" smtClean="0"/>
+              <a:t>및 삭제</a:t>
+            </a:r>
+            <a:endParaRPr lang="en-US" altLang="ko-KR" sz="1400" dirty="0" smtClean="0"/>
+          </a:p>
+          <a:p>
+            <a:pPr marL="457200" lvl="0" indent="-342900" algn="l" rtl="0">
+              <a:lnSpc>
+                <a:spcPct val="90000"/>
+              </a:lnSpc>
+              <a:spcBef>
+                <a:spcPts val="0"/>
+              </a:spcBef>
+              <a:spcAft>
+                <a:spcPts val="0"/>
+              </a:spcAft>
+              <a:buSzPts val="1800"/>
+              <a:buAutoNum type="arabicPeriod"/>
+            </a:pPr>
+            <a:r>
+              <a:rPr lang="ko-KR" altLang="en-US" sz="1800" dirty="0" smtClean="0"/>
+              <a:t>회원 관리</a:t>
+            </a:r>
+            <a:endParaRPr lang="en-US" altLang="ko-KR" sz="1800" dirty="0" smtClean="0"/>
+          </a:p>
+          <a:p>
+            <a:pPr lvl="1">
+              <a:spcBef>
+                <a:spcPts val="0"/>
+              </a:spcBef>
+              <a:buAutoNum type="arabicPeriod"/>
+            </a:pPr>
+            <a:r>
+              <a:rPr lang="ko-KR" altLang="en-US" sz="1400" dirty="0" smtClean="0"/>
+              <a:t>아이디</a:t>
+            </a:r>
+            <a:r>
+              <a:rPr lang="en-US" altLang="ko-KR" sz="1400" dirty="0" smtClean="0"/>
+              <a:t>, </a:t>
+            </a:r>
+            <a:r>
+              <a:rPr lang="ko-KR" altLang="en-US" sz="1400" dirty="0" smtClean="0"/>
+              <a:t>닉네임</a:t>
+            </a:r>
+            <a:r>
+              <a:rPr lang="en-US" altLang="ko-KR" sz="1400" dirty="0" smtClean="0"/>
+              <a:t>, </a:t>
+            </a:r>
+            <a:r>
+              <a:rPr lang="ko-KR" altLang="en-US" sz="1400" dirty="0" err="1" smtClean="0"/>
+              <a:t>회원별</a:t>
+            </a:r>
+            <a:r>
+              <a:rPr lang="ko-KR" altLang="en-US" sz="1400" dirty="0" smtClean="0"/>
+              <a:t> 주최 세미나</a:t>
+            </a:r>
+            <a:r>
+              <a:rPr lang="en-US" altLang="ko-KR" sz="1400" dirty="0" smtClean="0"/>
+              <a:t>(</a:t>
+            </a:r>
+            <a:r>
+              <a:rPr lang="ko-KR" altLang="en-US" sz="1400" dirty="0" smtClean="0"/>
+              <a:t>행사</a:t>
+            </a:r>
+            <a:r>
+              <a:rPr lang="en-US" altLang="ko-KR" sz="1400" dirty="0" smtClean="0"/>
+              <a:t>), </a:t>
+            </a:r>
+            <a:r>
+              <a:rPr lang="ko-KR" altLang="en-US" sz="1400" dirty="0" err="1" smtClean="0"/>
+              <a:t>회원별</a:t>
+            </a:r>
+            <a:r>
+              <a:rPr lang="ko-KR" altLang="en-US" sz="1400" dirty="0" smtClean="0"/>
+              <a:t> 참석 세미나</a:t>
+            </a:r>
+            <a:r>
+              <a:rPr lang="en-US" altLang="ko-KR" sz="1400" dirty="0" smtClean="0"/>
+              <a:t>(</a:t>
+            </a:r>
+            <a:r>
+              <a:rPr lang="ko-KR" altLang="en-US" sz="1400" dirty="0" smtClean="0"/>
+              <a:t>행사</a:t>
+            </a:r>
+            <a:r>
+              <a:rPr lang="en-US" altLang="ko-KR" sz="1400" dirty="0" smtClean="0"/>
+              <a:t>), </a:t>
+            </a:r>
+            <a:r>
+              <a:rPr lang="ko-KR" altLang="en-US" sz="1400" dirty="0" smtClean="0"/>
+              <a:t>이용 제한 또는 탈퇴 처리</a:t>
+            </a:r>
+            <a:endParaRPr lang="en-US" altLang="ko-KR" sz="1400" dirty="0" smtClean="0"/>
+          </a:p>
+          <a:p>
+            <a:pPr>
+              <a:spcBef>
+                <a:spcPts val="0"/>
+              </a:spcBef>
+              <a:buAutoNum type="arabicPeriod"/>
+            </a:pPr>
+            <a:r>
+              <a:rPr lang="ko-KR" altLang="en-US" sz="1800" dirty="0" err="1" smtClean="0"/>
+              <a:t>메인화면</a:t>
+            </a:r>
+            <a:r>
+              <a:rPr lang="ko-KR" altLang="en-US" sz="1800" dirty="0" smtClean="0"/>
+              <a:t> 관리</a:t>
+            </a:r>
+            <a:endParaRPr lang="en-US" altLang="ko-KR" sz="1800" dirty="0" smtClean="0"/>
+          </a:p>
+          <a:p>
+            <a:pPr lvl="1">
+              <a:spcBef>
+                <a:spcPts val="0"/>
+              </a:spcBef>
+              <a:buAutoNum type="arabicPeriod"/>
+            </a:pPr>
+            <a:r>
+              <a:rPr lang="ko-KR" altLang="en-US" sz="1400" dirty="0" err="1" smtClean="0"/>
+              <a:t>메인화면에</a:t>
+            </a:r>
+            <a:r>
+              <a:rPr lang="ko-KR" altLang="en-US" sz="1400" dirty="0" smtClean="0"/>
+              <a:t> 노출 되는 장소 관련 정보 변경 </a:t>
+            </a:r>
+            <a:r>
+              <a:rPr lang="en-US" altLang="ko-KR" sz="1400" dirty="0" smtClean="0"/>
+              <a:t>– </a:t>
+            </a:r>
+            <a:r>
+              <a:rPr lang="ko-KR" altLang="en-US" sz="1400" dirty="0" smtClean="0"/>
+              <a:t>이미지</a:t>
+            </a:r>
+            <a:r>
+              <a:rPr lang="en-US" altLang="ko-KR" sz="1400" dirty="0" smtClean="0"/>
+              <a:t>, </a:t>
+            </a:r>
+            <a:r>
+              <a:rPr lang="ko-KR" altLang="en-US" sz="1400" dirty="0" smtClean="0"/>
+              <a:t>제목</a:t>
+            </a:r>
+            <a:r>
+              <a:rPr lang="en-US" altLang="ko-KR" sz="1400" dirty="0" smtClean="0"/>
+              <a:t>, </a:t>
+            </a:r>
+            <a:r>
+              <a:rPr lang="ko-KR" altLang="en-US" sz="1400" dirty="0" smtClean="0"/>
+              <a:t>장소 특징</a:t>
+            </a:r>
+            <a:r>
+              <a:rPr lang="en-US" altLang="ko-KR" sz="1400" dirty="0" smtClean="0"/>
+              <a:t>(</a:t>
+            </a:r>
+            <a:r>
+              <a:rPr lang="ko-KR" altLang="en-US" sz="1400" dirty="0" smtClean="0"/>
+              <a:t>규모 및 수용 가능 인원</a:t>
+            </a:r>
+            <a:r>
+              <a:rPr lang="en-US" altLang="ko-KR" sz="1400" dirty="0" smtClean="0"/>
+              <a:t>)</a:t>
+            </a:r>
+          </a:p>
+          <a:p>
+            <a:pPr lvl="1">
+              <a:spcBef>
+                <a:spcPts val="0"/>
+              </a:spcBef>
+              <a:buAutoNum type="arabicPeriod"/>
+            </a:pPr>
+            <a:r>
+              <a:rPr lang="ko-KR" altLang="en-US" sz="1400" dirty="0" smtClean="0"/>
+              <a:t>슬라이드 배너</a:t>
+            </a:r>
+            <a:r>
+              <a:rPr lang="en-US" altLang="ko-KR" sz="1400" dirty="0" smtClean="0"/>
+              <a:t>(?) – </a:t>
+            </a:r>
+            <a:r>
+              <a:rPr lang="ko-KR" altLang="en-US" sz="1400" dirty="0" smtClean="0"/>
+              <a:t>이미지</a:t>
+            </a:r>
+            <a:r>
+              <a:rPr lang="en-US" altLang="ko-KR" sz="1400" dirty="0" smtClean="0"/>
+              <a:t>, </a:t>
+            </a:r>
+            <a:r>
+              <a:rPr lang="ko-KR" altLang="en-US" sz="1400" dirty="0" smtClean="0"/>
+              <a:t>제목</a:t>
+            </a:r>
+            <a:r>
+              <a:rPr lang="en-US" altLang="ko-KR" sz="1400" dirty="0" smtClean="0"/>
+              <a:t>, </a:t>
+            </a:r>
+            <a:r>
+              <a:rPr lang="ko-KR" altLang="en-US" sz="1400" dirty="0" smtClean="0"/>
+              <a:t>링크 주소</a:t>
+            </a:r>
+            <a:endParaRPr lang="en-US" altLang="ko-KR" sz="1400" dirty="0" smtClean="0"/>
+          </a:p>
+          <a:p>
+            <a:pPr lvl="1">
+              <a:spcBef>
+                <a:spcPts val="0"/>
+              </a:spcBef>
+              <a:buAutoNum type="arabicPeriod"/>
+            </a:pPr>
+            <a:r>
+              <a:rPr lang="ko-KR" altLang="en-US" sz="1400" dirty="0" smtClean="0"/>
+              <a:t>추천 세미나</a:t>
+            </a:r>
+            <a:r>
+              <a:rPr lang="en-US" altLang="ko-KR" sz="1400" dirty="0" smtClean="0"/>
+              <a:t>(</a:t>
+            </a:r>
+            <a:r>
+              <a:rPr lang="ko-KR" altLang="en-US" sz="1400" dirty="0" smtClean="0"/>
+              <a:t>행사</a:t>
+            </a:r>
+            <a:r>
+              <a:rPr lang="en-US" altLang="ko-KR" sz="1400" dirty="0" smtClean="0"/>
+              <a:t>) </a:t>
+            </a:r>
+            <a:r>
+              <a:rPr lang="ko-KR" altLang="en-US" sz="1400" dirty="0" smtClean="0"/>
+              <a:t>등록</a:t>
+            </a:r>
+            <a:r>
+              <a:rPr lang="en-US" altLang="ko-KR" sz="1400" dirty="0" smtClean="0"/>
+              <a:t>???? (</a:t>
+            </a:r>
+            <a:r>
+              <a:rPr lang="ko-KR" altLang="en-US" sz="1400" dirty="0" smtClean="0"/>
+              <a:t>또는 날짜</a:t>
+            </a:r>
+            <a:r>
+              <a:rPr lang="en-US" altLang="ko-KR" sz="1400" dirty="0" smtClean="0"/>
+              <a:t>, </a:t>
+            </a:r>
+            <a:r>
+              <a:rPr lang="ko-KR" altLang="en-US" sz="1400" dirty="0" smtClean="0"/>
+              <a:t>조회수 등을 기준으로 자동으로 선정 되어 노출</a:t>
+            </a:r>
+            <a:r>
+              <a:rPr lang="en-US" altLang="ko-KR" sz="1400" dirty="0" smtClean="0"/>
+              <a:t>?)</a:t>
+            </a:r>
+          </a:p>
+          <a:p>
+            <a:pPr>
+              <a:spcBef>
+                <a:spcPts val="0"/>
+              </a:spcBef>
+              <a:buAutoNum type="arabicPeriod"/>
+            </a:pPr>
+            <a:r>
+              <a:rPr lang="ko-KR" altLang="en-US" sz="1800" dirty="0" smtClean="0"/>
+              <a:t>세미나</a:t>
+            </a:r>
+            <a:r>
+              <a:rPr lang="en-US" altLang="ko-KR" sz="1800" dirty="0" smtClean="0"/>
+              <a:t>(</a:t>
+            </a:r>
+            <a:r>
+              <a:rPr lang="ko-KR" altLang="en-US" sz="1800" dirty="0" smtClean="0"/>
+              <a:t>행사</a:t>
+            </a:r>
+            <a:r>
+              <a:rPr lang="en-US" altLang="ko-KR" sz="1800" dirty="0" smtClean="0"/>
+              <a:t>) </a:t>
+            </a:r>
+            <a:r>
+              <a:rPr lang="ko-KR" altLang="en-US" sz="1800" dirty="0" smtClean="0"/>
+              <a:t>관리</a:t>
+            </a:r>
+            <a:endParaRPr lang="en-US" altLang="ko-KR" sz="1800" dirty="0" smtClean="0"/>
+          </a:p>
+          <a:p>
+            <a:pPr lvl="1">
+              <a:spcBef>
+                <a:spcPts val="0"/>
+              </a:spcBef>
+              <a:buAutoNum type="arabicPeriod"/>
+            </a:pPr>
+            <a:r>
+              <a:rPr lang="ko-KR" altLang="en-US" sz="1400" dirty="0" smtClean="0"/>
+              <a:t>신청 날짜</a:t>
+            </a:r>
+            <a:r>
+              <a:rPr lang="en-US" altLang="ko-KR" sz="1400" dirty="0" smtClean="0"/>
+              <a:t>, </a:t>
+            </a:r>
+            <a:r>
+              <a:rPr lang="ko-KR" altLang="en-US" sz="1400" dirty="0" smtClean="0"/>
+              <a:t>세미나</a:t>
+            </a:r>
+            <a:r>
+              <a:rPr lang="en-US" altLang="ko-KR" sz="1400" dirty="0" smtClean="0"/>
+              <a:t>(</a:t>
+            </a:r>
+            <a:r>
+              <a:rPr lang="ko-KR" altLang="en-US" sz="1400" dirty="0" smtClean="0"/>
+              <a:t>행사</a:t>
+            </a:r>
+            <a:r>
+              <a:rPr lang="en-US" altLang="ko-KR" sz="1400" dirty="0" smtClean="0"/>
+              <a:t>) </a:t>
+            </a:r>
+            <a:r>
+              <a:rPr lang="ko-KR" altLang="en-US" sz="1400" dirty="0" smtClean="0"/>
+              <a:t>제목</a:t>
+            </a:r>
+            <a:r>
+              <a:rPr lang="en-US" altLang="ko-KR" sz="1400" dirty="0" smtClean="0"/>
+              <a:t>, </a:t>
+            </a:r>
+            <a:r>
+              <a:rPr lang="ko-KR" altLang="en-US" sz="1400" dirty="0" smtClean="0"/>
+              <a:t>주최 날짜</a:t>
+            </a:r>
+            <a:r>
+              <a:rPr lang="en-US" altLang="ko-KR" sz="1400" dirty="0" smtClean="0"/>
+              <a:t>, </a:t>
+            </a:r>
+            <a:r>
+              <a:rPr lang="ko-KR" altLang="en-US" sz="1400" dirty="0" smtClean="0"/>
+              <a:t>대관 신청 장소 조회</a:t>
+            </a:r>
+            <a:r>
+              <a:rPr lang="en-US" altLang="ko-KR" sz="1400" dirty="0"/>
+              <a:t> </a:t>
+            </a:r>
+            <a:r>
+              <a:rPr lang="en-US" altLang="ko-KR" sz="1400" dirty="0" smtClean="0"/>
+              <a:t>– </a:t>
+            </a:r>
+            <a:r>
+              <a:rPr lang="ko-KR" altLang="en-US" sz="1400" dirty="0" smtClean="0"/>
+              <a:t>문제 발생 시 등록 세미나</a:t>
+            </a:r>
+            <a:r>
+              <a:rPr lang="en-US" altLang="ko-KR" sz="1400" dirty="0" smtClean="0"/>
+              <a:t>(</a:t>
+            </a:r>
+            <a:r>
+              <a:rPr lang="ko-KR" altLang="en-US" sz="1400" dirty="0" smtClean="0"/>
+              <a:t>행사</a:t>
+            </a:r>
+            <a:r>
+              <a:rPr lang="en-US" altLang="ko-KR" sz="1400" dirty="0" smtClean="0"/>
+              <a:t>) </a:t>
+            </a:r>
+            <a:r>
+              <a:rPr lang="ko-KR" altLang="en-US" sz="1400" dirty="0" smtClean="0"/>
+              <a:t>삭제</a:t>
+            </a:r>
+            <a:endParaRPr lang="en-US" altLang="ko-KR" sz="1400" dirty="0" smtClean="0"/>
+          </a:p>
+          <a:p>
+            <a:pPr lvl="1">
+              <a:spcBef>
+                <a:spcPts val="0"/>
+              </a:spcBef>
+              <a:buAutoNum type="arabicPeriod"/>
+            </a:pPr>
+            <a:r>
+              <a:rPr lang="ko-KR" altLang="en-US" sz="1400" dirty="0" smtClean="0"/>
+              <a:t>등록된 세미나</a:t>
+            </a:r>
+            <a:r>
+              <a:rPr lang="en-US" altLang="ko-KR" sz="1400" dirty="0" smtClean="0"/>
+              <a:t>(</a:t>
+            </a:r>
+            <a:r>
+              <a:rPr lang="ko-KR" altLang="en-US" sz="1400" dirty="0" smtClean="0"/>
+              <a:t>행사</a:t>
+            </a:r>
+            <a:r>
+              <a:rPr lang="en-US" altLang="ko-KR" sz="1400" dirty="0" smtClean="0"/>
+              <a:t>)</a:t>
+            </a:r>
+            <a:r>
+              <a:rPr lang="ko-KR" altLang="en-US" sz="1400" dirty="0" smtClean="0"/>
+              <a:t>에 참가 신청한 회원들 목록 확인</a:t>
+            </a:r>
+            <a:endParaRPr lang="en-US" altLang="ko-KR" sz="1400" dirty="0" smtClean="0"/>
+          </a:p>
+          <a:p>
+            <a:pPr>
+              <a:spcBef>
+                <a:spcPts val="0"/>
+              </a:spcBef>
+              <a:buAutoNum type="arabicPeriod"/>
+            </a:pPr>
+            <a:r>
+              <a:rPr lang="ko-KR" altLang="en-US" sz="1800" dirty="0" smtClean="0"/>
+              <a:t>신고 세미나</a:t>
+            </a:r>
+            <a:r>
+              <a:rPr lang="en-US" altLang="ko-KR" sz="1800" dirty="0" smtClean="0"/>
+              <a:t>(</a:t>
+            </a:r>
+            <a:r>
+              <a:rPr lang="ko-KR" altLang="en-US" sz="1800" dirty="0" smtClean="0"/>
+              <a:t>행사</a:t>
+            </a:r>
+            <a:r>
+              <a:rPr lang="en-US" altLang="ko-KR" sz="1800" dirty="0" smtClean="0"/>
+              <a:t>) </a:t>
+            </a:r>
+            <a:r>
+              <a:rPr lang="ko-KR" altLang="en-US" sz="1800" dirty="0" smtClean="0"/>
+              <a:t>관리</a:t>
+            </a:r>
+            <a:endParaRPr lang="en-US" altLang="ko-KR" sz="1800" dirty="0" smtClean="0"/>
+          </a:p>
+          <a:p>
+            <a:pPr lvl="1">
+              <a:spcBef>
+                <a:spcPts val="0"/>
+              </a:spcBef>
+              <a:buAutoNum type="arabicPeriod"/>
+            </a:pPr>
+            <a:r>
+              <a:rPr lang="ko-KR" altLang="en-US" sz="1400" dirty="0" err="1" smtClean="0"/>
+              <a:t>신고글</a:t>
+            </a:r>
+            <a:r>
+              <a:rPr lang="ko-KR" altLang="en-US" sz="1400" dirty="0" smtClean="0"/>
+              <a:t> 날짜</a:t>
+            </a:r>
+            <a:r>
+              <a:rPr lang="en-US" altLang="ko-KR" sz="1400" dirty="0" smtClean="0"/>
+              <a:t>, </a:t>
+            </a:r>
+            <a:r>
+              <a:rPr lang="ko-KR" altLang="en-US" sz="1400" dirty="0" smtClean="0"/>
+              <a:t>제목</a:t>
+            </a:r>
+            <a:r>
+              <a:rPr lang="en-US" altLang="ko-KR" sz="1400" dirty="0" smtClean="0"/>
+              <a:t>, </a:t>
+            </a:r>
+            <a:r>
+              <a:rPr lang="ko-KR" altLang="en-US" sz="1400" dirty="0" smtClean="0"/>
+              <a:t>내용 확인</a:t>
+            </a:r>
+            <a:r>
+              <a:rPr lang="en-US" altLang="ko-KR" sz="1400" dirty="0" smtClean="0"/>
+              <a:t>, </a:t>
+            </a:r>
+            <a:r>
+              <a:rPr lang="ko-KR" altLang="en-US" sz="1400" dirty="0" smtClean="0"/>
+              <a:t>처리 방법</a:t>
+            </a:r>
+            <a:endParaRPr lang="en-US" altLang="ko-KR" sz="1400" dirty="0" smtClean="0"/>
+          </a:p>
+          <a:p>
+            <a:pPr>
+              <a:spcBef>
+                <a:spcPts val="0"/>
+              </a:spcBef>
+              <a:buAutoNum type="arabicPeriod"/>
+            </a:pPr>
+            <a:r>
+              <a:rPr lang="ko-KR" altLang="en-US" sz="1800" dirty="0" smtClean="0"/>
+              <a:t>게시판 관리</a:t>
+            </a:r>
+            <a:endParaRPr lang="en-US" altLang="ko-KR" sz="1800" dirty="0" smtClean="0"/>
+          </a:p>
+          <a:p>
+            <a:pPr lvl="1">
+              <a:spcBef>
+                <a:spcPts val="0"/>
+              </a:spcBef>
+              <a:buAutoNum type="arabicPeriod"/>
+            </a:pPr>
+            <a:r>
+              <a:rPr lang="ko-KR" altLang="en-US" sz="1400" dirty="0" smtClean="0"/>
+              <a:t>공지사항 등록</a:t>
+            </a:r>
+            <a:r>
+              <a:rPr lang="en-US" altLang="ko-KR" sz="1400" dirty="0" smtClean="0"/>
+              <a:t>, </a:t>
+            </a:r>
+            <a:r>
+              <a:rPr lang="ko-KR" altLang="en-US" sz="1400" dirty="0" smtClean="0"/>
+              <a:t>수정 및</a:t>
+            </a:r>
+            <a:r>
+              <a:rPr lang="en-US" altLang="ko-KR" sz="1400" dirty="0"/>
+              <a:t> </a:t>
+            </a:r>
+            <a:r>
+              <a:rPr lang="ko-KR" altLang="en-US" sz="1400" dirty="0" smtClean="0"/>
+              <a:t>삭제</a:t>
+            </a:r>
+            <a:endParaRPr lang="en-US" altLang="ko-KR" sz="1400" dirty="0" smtClean="0"/>
+          </a:p>
+          <a:p>
+            <a:pPr lvl="1">
+              <a:spcBef>
+                <a:spcPts val="0"/>
+              </a:spcBef>
+              <a:buAutoNum type="arabicPeriod"/>
+            </a:pPr>
+            <a:r>
+              <a:rPr lang="ko-KR" altLang="en-US" sz="1400" dirty="0" err="1" smtClean="0"/>
+              <a:t>이용가이드</a:t>
+            </a:r>
+            <a:r>
+              <a:rPr lang="ko-KR" altLang="en-US" sz="1400" dirty="0" smtClean="0"/>
+              <a:t> 및 </a:t>
+            </a:r>
+            <a:r>
+              <a:rPr lang="en-US" altLang="ko-KR" sz="1400" dirty="0" smtClean="0"/>
+              <a:t>FAQ</a:t>
+            </a:r>
+            <a:r>
+              <a:rPr lang="ko-KR" altLang="en-US" sz="1400" dirty="0" smtClean="0"/>
+              <a:t>게시판</a:t>
+            </a:r>
+            <a:r>
+              <a:rPr lang="en-US" altLang="ko-KR" sz="1400" dirty="0" smtClean="0"/>
+              <a:t> </a:t>
+            </a:r>
+            <a:r>
+              <a:rPr lang="ko-KR" altLang="en-US" sz="1400" dirty="0" smtClean="0"/>
+              <a:t>등록</a:t>
+            </a:r>
+            <a:r>
+              <a:rPr lang="en-US" altLang="ko-KR" sz="1400" dirty="0" smtClean="0"/>
+              <a:t>, </a:t>
+            </a:r>
+            <a:r>
+              <a:rPr lang="ko-KR" altLang="en-US" sz="1400" dirty="0" smtClean="0"/>
+              <a:t>수정 및 삭제</a:t>
+            </a:r>
+            <a:endParaRPr lang="en-US" altLang="ko-KR" sz="1400" dirty="0" smtClean="0"/>
+          </a:p>
+          <a:p>
+            <a:pPr lvl="1">
+              <a:spcBef>
+                <a:spcPts val="0"/>
+              </a:spcBef>
+              <a:buAutoNum type="arabicPeriod"/>
+            </a:pPr>
+            <a:r>
+              <a:rPr lang="en-US" sz="1400" dirty="0" smtClean="0"/>
+              <a:t>Q&amp;A </a:t>
+            </a:r>
+            <a:r>
+              <a:rPr lang="ko-KR" altLang="en-US" sz="1400" dirty="0" smtClean="0"/>
+              <a:t>게시판 답변 등록</a:t>
+            </a:r>
+            <a:r>
+              <a:rPr lang="en-US" altLang="ko-KR" sz="1400" dirty="0" smtClean="0"/>
+              <a:t>, </a:t>
+            </a:r>
+            <a:r>
+              <a:rPr lang="ko-KR" altLang="en-US" sz="1400" dirty="0" smtClean="0"/>
+              <a:t>수정</a:t>
+            </a:r>
+            <a:r>
+              <a:rPr lang="en-US" altLang="ko-KR" sz="1400" dirty="0" smtClean="0"/>
+              <a:t>, </a:t>
+            </a:r>
+            <a:r>
+              <a:rPr lang="ko-KR" altLang="en-US" sz="1400" dirty="0" smtClean="0"/>
+              <a:t>삭제</a:t>
+            </a:r>
+            <a:endParaRPr sz="1400" dirty="0"/>
           </a:p>
         </p:txBody>
       </p:sp>
